--- a/presentation.pptx
+++ b/presentation.pptx
@@ -6,8 +6,10 @@
   </p:sldMasterIdLst>
   <p:sldIdLst>
     <p:sldId id="256" r:id="rId2"/>
-    <p:sldId id="257" r:id="rId3"/>
-    <p:sldId id="258" r:id="rId4"/>
+    <p:sldId id="259" r:id="rId3"/>
+    <p:sldId id="257" r:id="rId4"/>
+    <p:sldId id="258" r:id="rId5"/>
+    <p:sldId id="260" r:id="rId6"/>
   </p:sldIdLst>
   <p:sldSz cx="9144000" cy="6858000" type="screen4x3"/>
   <p:notesSz cx="6858000" cy="9144000"/>
@@ -357,6 +359,7 @@
           <a:p>
             <a:fld id="{9BA89ECE-9E17-4616-BEA9-A6D81C33E0C3}" type="datetimeFigureOut">
               <a:rPr lang="fr-FR" smtClean="0"/>
+              <a:pPr/>
               <a:t>29/01/2013</a:t>
             </a:fld>
             <a:endParaRPr lang="fr-FR"/>
@@ -399,6 +402,7 @@
           <a:p>
             <a:fld id="{49211661-6986-4C70-80A3-E39F992AAFA6}" type="slidenum">
               <a:rPr lang="fr-FR" smtClean="0"/>
+              <a:pPr/>
               <a:t>‹#›</a:t>
             </a:fld>
             <a:endParaRPr lang="fr-FR"/>
@@ -580,6 +584,7 @@
           <a:p>
             <a:fld id="{9BA89ECE-9E17-4616-BEA9-A6D81C33E0C3}" type="datetimeFigureOut">
               <a:rPr lang="fr-FR" smtClean="0"/>
+              <a:pPr/>
               <a:t>29/01/2013</a:t>
             </a:fld>
             <a:endParaRPr lang="fr-FR"/>
@@ -622,6 +627,7 @@
           <a:p>
             <a:fld id="{49211661-6986-4C70-80A3-E39F992AAFA6}" type="slidenum">
               <a:rPr lang="fr-FR" smtClean="0"/>
+              <a:pPr/>
               <a:t>‹#›</a:t>
             </a:fld>
             <a:endParaRPr lang="fr-FR"/>
@@ -860,6 +866,7 @@
           <a:p>
             <a:fld id="{9BA89ECE-9E17-4616-BEA9-A6D81C33E0C3}" type="datetimeFigureOut">
               <a:rPr lang="fr-FR" smtClean="0"/>
+              <a:pPr/>
               <a:t>29/01/2013</a:t>
             </a:fld>
             <a:endParaRPr lang="fr-FR"/>
@@ -907,6 +914,7 @@
           <a:p>
             <a:fld id="{49211661-6986-4C70-80A3-E39F992AAFA6}" type="slidenum">
               <a:rPr lang="fr-FR" smtClean="0"/>
+              <a:pPr/>
               <a:t>‹#›</a:t>
             </a:fld>
             <a:endParaRPr lang="fr-FR"/>
@@ -1039,6 +1047,7 @@
           <a:p>
             <a:fld id="{9BA89ECE-9E17-4616-BEA9-A6D81C33E0C3}" type="datetimeFigureOut">
               <a:rPr lang="fr-FR" smtClean="0"/>
+              <a:pPr/>
               <a:t>29/01/2013</a:t>
             </a:fld>
             <a:endParaRPr lang="fr-FR"/>
@@ -1081,6 +1090,7 @@
           <a:p>
             <a:fld id="{49211661-6986-4C70-80A3-E39F992AAFA6}" type="slidenum">
               <a:rPr lang="fr-FR" smtClean="0"/>
+              <a:pPr/>
               <a:t>‹#›</a:t>
             </a:fld>
             <a:endParaRPr lang="fr-FR"/>
@@ -1397,6 +1407,7 @@
           <a:p>
             <a:fld id="{9BA89ECE-9E17-4616-BEA9-A6D81C33E0C3}" type="datetimeFigureOut">
               <a:rPr lang="fr-FR" smtClean="0"/>
+              <a:pPr/>
               <a:t>29/01/2013</a:t>
             </a:fld>
             <a:endParaRPr lang="fr-FR"/>
@@ -1439,6 +1450,7 @@
           <a:p>
             <a:fld id="{49211661-6986-4C70-80A3-E39F992AAFA6}" type="slidenum">
               <a:rPr lang="fr-FR" smtClean="0"/>
+              <a:pPr/>
               <a:t>‹#›</a:t>
             </a:fld>
             <a:endParaRPr lang="fr-FR"/>
@@ -1684,6 +1696,7 @@
           <a:p>
             <a:fld id="{9BA89ECE-9E17-4616-BEA9-A6D81C33E0C3}" type="datetimeFigureOut">
               <a:rPr lang="fr-FR" smtClean="0"/>
+              <a:pPr/>
               <a:t>29/01/2013</a:t>
             </a:fld>
             <a:endParaRPr lang="fr-FR"/>
@@ -1726,6 +1739,7 @@
           <a:p>
             <a:fld id="{49211661-6986-4C70-80A3-E39F992AAFA6}" type="slidenum">
               <a:rPr lang="fr-FR" smtClean="0"/>
+              <a:pPr/>
               <a:t>‹#›</a:t>
             </a:fld>
             <a:endParaRPr lang="fr-FR"/>
@@ -2106,6 +2120,7 @@
           <a:p>
             <a:fld id="{9BA89ECE-9E17-4616-BEA9-A6D81C33E0C3}" type="datetimeFigureOut">
               <a:rPr lang="fr-FR" smtClean="0"/>
+              <a:pPr/>
               <a:t>29/01/2013</a:t>
             </a:fld>
             <a:endParaRPr lang="fr-FR"/>
@@ -2148,6 +2163,7 @@
           <a:p>
             <a:fld id="{49211661-6986-4C70-80A3-E39F992AAFA6}" type="slidenum">
               <a:rPr lang="fr-FR" smtClean="0"/>
+              <a:pPr/>
               <a:t>‹#›</a:t>
             </a:fld>
             <a:endParaRPr lang="fr-FR"/>
@@ -2221,6 +2237,7 @@
           <a:p>
             <a:fld id="{9BA89ECE-9E17-4616-BEA9-A6D81C33E0C3}" type="datetimeFigureOut">
               <a:rPr lang="fr-FR" smtClean="0"/>
+              <a:pPr/>
               <a:t>29/01/2013</a:t>
             </a:fld>
             <a:endParaRPr lang="fr-FR"/>
@@ -2263,6 +2280,7 @@
           <a:p>
             <a:fld id="{49211661-6986-4C70-80A3-E39F992AAFA6}" type="slidenum">
               <a:rPr lang="fr-FR" smtClean="0"/>
+              <a:pPr/>
               <a:t>‹#›</a:t>
             </a:fld>
             <a:endParaRPr lang="fr-FR"/>
@@ -2311,6 +2329,7 @@
           <a:p>
             <a:fld id="{9BA89ECE-9E17-4616-BEA9-A6D81C33E0C3}" type="datetimeFigureOut">
               <a:rPr lang="fr-FR" smtClean="0"/>
+              <a:pPr/>
               <a:t>29/01/2013</a:t>
             </a:fld>
             <a:endParaRPr lang="fr-FR"/>
@@ -2353,6 +2372,7 @@
           <a:p>
             <a:fld id="{49211661-6986-4C70-80A3-E39F992AAFA6}" type="slidenum">
               <a:rPr lang="fr-FR" smtClean="0"/>
+              <a:pPr/>
               <a:t>‹#›</a:t>
             </a:fld>
             <a:endParaRPr lang="fr-FR"/>
@@ -2589,6 +2609,7 @@
           <a:p>
             <a:fld id="{9BA89ECE-9E17-4616-BEA9-A6D81C33E0C3}" type="datetimeFigureOut">
               <a:rPr lang="fr-FR" smtClean="0"/>
+              <a:pPr/>
               <a:t>29/01/2013</a:t>
             </a:fld>
             <a:endParaRPr lang="fr-FR"/>
@@ -2631,6 +2652,7 @@
           <a:p>
             <a:fld id="{49211661-6986-4C70-80A3-E39F992AAFA6}" type="slidenum">
               <a:rPr lang="fr-FR" smtClean="0"/>
+              <a:pPr/>
               <a:t>‹#›</a:t>
             </a:fld>
             <a:endParaRPr lang="fr-FR"/>
@@ -2955,6 +2977,7 @@
           <a:p>
             <a:fld id="{9BA89ECE-9E17-4616-BEA9-A6D81C33E0C3}" type="datetimeFigureOut">
               <a:rPr lang="fr-FR" smtClean="0"/>
+              <a:pPr/>
               <a:t>29/01/2013</a:t>
             </a:fld>
             <a:endParaRPr lang="fr-FR"/>
@@ -3111,6 +3134,7 @@
           <a:p>
             <a:fld id="{49211661-6986-4C70-80A3-E39F992AAFA6}" type="slidenum">
               <a:rPr lang="fr-FR" smtClean="0"/>
+              <a:pPr/>
               <a:t>‹#›</a:t>
             </a:fld>
             <a:endParaRPr lang="fr-FR"/>
@@ -3392,6 +3416,7 @@
           <a:p>
             <a:fld id="{9BA89ECE-9E17-4616-BEA9-A6D81C33E0C3}" type="datetimeFigureOut">
               <a:rPr lang="fr-FR" smtClean="0"/>
+              <a:pPr/>
               <a:t>29/01/2013</a:t>
             </a:fld>
             <a:endParaRPr lang="fr-FR"/>
@@ -3472,6 +3497,7 @@
           <a:p>
             <a:fld id="{49211661-6986-4C70-80A3-E39F992AAFA6}" type="slidenum">
               <a:rPr lang="fr-FR" smtClean="0"/>
+              <a:pPr/>
               <a:t>‹#›</a:t>
             </a:fld>
             <a:endParaRPr lang="fr-FR"/>
@@ -3917,7 +3943,7 @@
           <a:p>
             <a:r>
               <a:rPr lang="fr-FR" dirty="0" smtClean="0"/>
-              <a:t>Ambiance &amp; direction sonore</a:t>
+              <a:t>Thème</a:t>
             </a:r>
             <a:endParaRPr lang="fr-FR" dirty="0"/>
           </a:p>
@@ -3935,40 +3961,102 @@
         </p:nvSpPr>
         <p:spPr>
           <a:xfrm>
-            <a:off x="642910" y="2643182"/>
+            <a:off x="642910" y="2857496"/>
             <a:ext cx="8022336" cy="3714776"/>
           </a:xfrm>
         </p:spPr>
         <p:txBody>
-          <a:bodyPr>
-            <a:normAutofit/>
-          </a:bodyPr>
+          <a:bodyPr/>
           <a:lstStyle/>
           <a:p>
-            <a:endParaRPr lang="fr-FR" sz="2400" dirty="0" smtClean="0"/>
-          </a:p>
-          <a:p>
-            <a:r>
-              <a:rPr lang="fr-FR" sz="2400" dirty="0" smtClean="0"/>
-              <a:t>Un volcan</a:t>
-            </a:r>
-          </a:p>
-          <a:p>
-            <a:endParaRPr lang="fr-FR" sz="2400" dirty="0" smtClean="0"/>
-          </a:p>
-          <a:p>
-            <a:r>
-              <a:rPr lang="fr-FR" sz="2400" dirty="0" smtClean="0"/>
-              <a:t>Un silence pesant</a:t>
-            </a:r>
-          </a:p>
-        </p:txBody>
-      </p:sp>
+            <a:endParaRPr lang="fr-FR" dirty="0"/>
+          </a:p>
+        </p:txBody>
+      </p:sp>
+      <p:pic>
+        <p:nvPicPr>
+          <p:cNvPr id="4" name="Picture 3" descr="gears of war.png"/>
+          <p:cNvPicPr>
+            <a:picLocks noChangeAspect="1"/>
+          </p:cNvPicPr>
+          <p:nvPr/>
+        </p:nvPicPr>
+        <p:blipFill>
+          <a:blip r:embed="rId2" cstate="print"/>
+          <a:stretch>
+            <a:fillRect/>
+          </a:stretch>
+        </p:blipFill>
+        <p:spPr>
+          <a:xfrm>
+            <a:off x="4429124" y="0"/>
+            <a:ext cx="4714876" cy="4462983"/>
+          </a:xfrm>
+          <a:prstGeom prst="rect">
+            <a:avLst/>
+          </a:prstGeom>
+        </p:spPr>
+      </p:pic>
+      <p:pic>
+        <p:nvPicPr>
+          <p:cNvPr id="5" name="Picture 4" descr="lava-pool-Volcano-Wallpaper.jpg"/>
+          <p:cNvPicPr>
+            <a:picLocks noChangeAspect="1"/>
+          </p:cNvPicPr>
+          <p:nvPr/>
+        </p:nvPicPr>
+        <p:blipFill>
+          <a:blip r:embed="rId3"/>
+          <a:stretch>
+            <a:fillRect/>
+          </a:stretch>
+        </p:blipFill>
+        <p:spPr>
+          <a:xfrm>
+            <a:off x="3143240" y="4517136"/>
+            <a:ext cx="3121152" cy="2340864"/>
+          </a:xfrm>
+          <a:prstGeom prst="rect">
+            <a:avLst/>
+          </a:prstGeom>
+        </p:spPr>
+      </p:pic>
+      <p:pic>
+        <p:nvPicPr>
+          <p:cNvPr id="7" name="Picture 6" descr="goyet-caverne21.jpg"/>
+          <p:cNvPicPr>
+            <a:picLocks noChangeAspect="1"/>
+          </p:cNvPicPr>
+          <p:nvPr/>
+        </p:nvPicPr>
+        <p:blipFill>
+          <a:blip r:embed="rId4"/>
+          <a:stretch>
+            <a:fillRect/>
+          </a:stretch>
+        </p:blipFill>
+        <p:spPr>
+          <a:xfrm>
+            <a:off x="0" y="4463745"/>
+            <a:ext cx="3000396" cy="2394255"/>
+          </a:xfrm>
+          <a:prstGeom prst="rect">
+            <a:avLst/>
+          </a:prstGeom>
+        </p:spPr>
+      </p:pic>
     </p:spTree>
   </p:cSld>
   <p:clrMapOvr>
     <a:masterClrMapping/>
   </p:clrMapOvr>
+  <p:timing>
+    <p:tnLst>
+      <p:par>
+        <p:cTn id="1" dur="indefinite" restart="never" nodeType="tmRoot"/>
+      </p:par>
+    </p:tnLst>
+  </p:timing>
 </p:sld>
 </file>
 
@@ -4005,6 +4093,111 @@
           <a:lstStyle/>
           <a:p>
             <a:r>
+              <a:rPr lang="fr-FR" dirty="0" smtClean="0"/>
+              <a:t>Direction sonore</a:t>
+            </a:r>
+            <a:endParaRPr lang="fr-FR" dirty="0"/>
+          </a:p>
+        </p:txBody>
+      </p:sp>
+      <p:sp>
+        <p:nvSpPr>
+          <p:cNvPr id="3" name="Text Placeholder 2"/>
+          <p:cNvSpPr>
+            <a:spLocks noGrp="1"/>
+          </p:cNvSpPr>
+          <p:nvPr>
+            <p:ph type="body" idx="1"/>
+          </p:nvPr>
+        </p:nvSpPr>
+        <p:spPr>
+          <a:xfrm>
+            <a:off x="642910" y="2643182"/>
+            <a:ext cx="8022336" cy="3714776"/>
+          </a:xfrm>
+        </p:spPr>
+        <p:txBody>
+          <a:bodyPr>
+            <a:normAutofit/>
+          </a:bodyPr>
+          <a:lstStyle/>
+          <a:p>
+            <a:endParaRPr lang="fr-FR" sz="2400" dirty="0" smtClean="0"/>
+          </a:p>
+          <a:p>
+            <a:r>
+              <a:rPr lang="fr-FR" sz="2400" smtClean="0"/>
+              <a:t>Un volcan</a:t>
+            </a:r>
+          </a:p>
+          <a:p>
+            <a:endParaRPr lang="fr-FR" sz="2400" smtClean="0"/>
+          </a:p>
+          <a:p>
+            <a:r>
+              <a:rPr lang="fr-FR" sz="2400" dirty="0" smtClean="0"/>
+              <a:t>Un silence pesant</a:t>
+            </a:r>
+          </a:p>
+          <a:p>
+            <a:endParaRPr lang="fr-FR" sz="2400" dirty="0" smtClean="0"/>
+          </a:p>
+          <a:p>
+            <a:r>
+              <a:rPr lang="fr-FR" sz="2400" dirty="0" smtClean="0"/>
+              <a:t>Une mission en duo</a:t>
+            </a:r>
+          </a:p>
+        </p:txBody>
+      </p:sp>
+    </p:spTree>
+  </p:cSld>
+  <p:clrMapOvr>
+    <a:masterClrMapping/>
+  </p:clrMapOvr>
+  <p:timing>
+    <p:tnLst>
+      <p:par>
+        <p:cTn id="1" dur="indefinite" restart="never" nodeType="tmRoot"/>
+      </p:par>
+    </p:tnLst>
+  </p:timing>
+</p:sld>
+</file>
+
+<file path=ppt/slides/slide4.xml><?xml version="1.0" encoding="utf-8"?>
+<p:sld xmlns:a="http://schemas.openxmlformats.org/drawingml/2006/main" xmlns:r="http://schemas.openxmlformats.org/officeDocument/2006/relationships" xmlns:p="http://schemas.openxmlformats.org/presentationml/2006/main">
+  <p:cSld>
+    <p:spTree>
+      <p:nvGrpSpPr>
+        <p:cNvPr id="1" name=""/>
+        <p:cNvGrpSpPr/>
+        <p:nvPr/>
+      </p:nvGrpSpPr>
+      <p:grpSpPr>
+        <a:xfrm>
+          <a:off x="0" y="0"/>
+          <a:ext cx="0" cy="0"/>
+          <a:chOff x="0" y="0"/>
+          <a:chExt cx="0" cy="0"/>
+        </a:xfrm>
+      </p:grpSpPr>
+      <p:sp>
+        <p:nvSpPr>
+          <p:cNvPr id="2" name="Title 1"/>
+          <p:cNvSpPr>
+            <a:spLocks noGrp="1"/>
+          </p:cNvSpPr>
+          <p:nvPr>
+            <p:ph type="title"/>
+          </p:nvPr>
+        </p:nvSpPr>
+        <p:spPr/>
+        <p:txBody>
+          <a:bodyPr/>
+          <a:lstStyle/>
+          <a:p>
+            <a:r>
               <a:rPr lang="fr-FR" dirty="0" err="1" smtClean="0"/>
               <a:t>Features</a:t>
             </a:r>
@@ -4048,6 +4241,81 @@
               <a:rPr lang="fr-FR" dirty="0" smtClean="0"/>
               <a:t>De la lave</a:t>
             </a:r>
+            <a:endParaRPr lang="fr-FR" dirty="0"/>
+          </a:p>
+        </p:txBody>
+      </p:sp>
+    </p:spTree>
+  </p:cSld>
+  <p:clrMapOvr>
+    <a:masterClrMapping/>
+  </p:clrMapOvr>
+  <p:timing>
+    <p:tnLst>
+      <p:par>
+        <p:cTn id="1" dur="indefinite" restart="never" nodeType="tmRoot"/>
+      </p:par>
+    </p:tnLst>
+  </p:timing>
+</p:sld>
+</file>
+
+<file path=ppt/slides/slide5.xml><?xml version="1.0" encoding="utf-8"?>
+<p:sld xmlns:a="http://schemas.openxmlformats.org/drawingml/2006/main" xmlns:r="http://schemas.openxmlformats.org/officeDocument/2006/relationships" xmlns:p="http://schemas.openxmlformats.org/presentationml/2006/main">
+  <p:cSld>
+    <p:spTree>
+      <p:nvGrpSpPr>
+        <p:cNvPr id="1" name=""/>
+        <p:cNvGrpSpPr/>
+        <p:nvPr/>
+      </p:nvGrpSpPr>
+      <p:grpSpPr>
+        <a:xfrm>
+          <a:off x="0" y="0"/>
+          <a:ext cx="0" cy="0"/>
+          <a:chOff x="0" y="0"/>
+          <a:chExt cx="0" cy="0"/>
+        </a:xfrm>
+      </p:grpSpPr>
+      <p:sp>
+        <p:nvSpPr>
+          <p:cNvPr id="2" name="Title 1"/>
+          <p:cNvSpPr>
+            <a:spLocks noGrp="1"/>
+          </p:cNvSpPr>
+          <p:nvPr>
+            <p:ph type="ctrTitle"/>
+          </p:nvPr>
+        </p:nvSpPr>
+        <p:spPr/>
+        <p:txBody>
+          <a:bodyPr/>
+          <a:lstStyle/>
+          <a:p>
+            <a:pPr algn="ctr"/>
+            <a:r>
+              <a:rPr lang="fr-FR" dirty="0" smtClean="0"/>
+              <a:t>Démo</a:t>
+            </a:r>
+            <a:endParaRPr lang="fr-FR" dirty="0"/>
+          </a:p>
+        </p:txBody>
+      </p:sp>
+      <p:sp>
+        <p:nvSpPr>
+          <p:cNvPr id="3" name="Subtitle 2"/>
+          <p:cNvSpPr>
+            <a:spLocks noGrp="1"/>
+          </p:cNvSpPr>
+          <p:nvPr>
+            <p:ph type="subTitle" idx="1"/>
+          </p:nvPr>
+        </p:nvSpPr>
+        <p:spPr/>
+        <p:txBody>
+          <a:bodyPr/>
+          <a:lstStyle/>
+          <a:p>
             <a:endParaRPr lang="fr-FR" dirty="0"/>
           </a:p>
         </p:txBody>
